--- a/Material Aulas/Gestão de Configuração e Mudanças/ES - GCM - Anderson Hummel - Aula 5 - 1 - Integração Continua.pptx
+++ b/Material Aulas/Gestão de Configuração e Mudanças/ES - GCM - Anderson Hummel - Aula 5 - 1 - Integração Continua.pptx
@@ -229,7 +229,7 @@
           <a:p>
             <a:fld id="{771C154D-C58F-4AEE-BEAB-BD6A662026C8}" type="datetimeFigureOut">
               <a:rPr lang="pt-BR" smtClean="0"/>
-              <a:t>06/02/2013</a:t>
+              <a:t>24/04/2014</a:t>
             </a:fld>
             <a:endParaRPr lang="pt-BR"/>
           </a:p>
@@ -5584,7 +5584,6 @@
               <a:rPr lang="pt-BR" sz="2800" dirty="0"/>
               <a:t> builds</a:t>
             </a:r>
-            <a:endParaRPr lang="pt-BR" sz="2800" dirty="0"/>
           </a:p>
         </p:txBody>
       </p:sp>
@@ -5965,63 +5964,6 @@
       </p:grpSpPr>
       <p:sp>
         <p:nvSpPr>
-          <p:cNvPr id="2" name="Espaço Reservado para Texto 1"/>
-          <p:cNvSpPr>
-            <a:spLocks noGrp="1"/>
-          </p:cNvSpPr>
-          <p:nvPr>
-            <p:ph type="body" sz="quarter" idx="10"/>
-          </p:nvPr>
-        </p:nvSpPr>
-        <p:spPr/>
-        <p:txBody>
-          <a:bodyPr/>
-          <a:lstStyle/>
-          <a:p>
-            <a:endParaRPr lang="pt-BR"/>
-          </a:p>
-        </p:txBody>
-      </p:sp>
-      <p:sp>
-        <p:nvSpPr>
-          <p:cNvPr id="3" name="Espaço Reservado para Texto 2"/>
-          <p:cNvSpPr>
-            <a:spLocks noGrp="1"/>
-          </p:cNvSpPr>
-          <p:nvPr>
-            <p:ph type="body" sz="quarter" idx="11"/>
-          </p:nvPr>
-        </p:nvSpPr>
-        <p:spPr/>
-        <p:txBody>
-          <a:bodyPr/>
-          <a:lstStyle/>
-          <a:p>
-            <a:endParaRPr lang="pt-BR"/>
-          </a:p>
-        </p:txBody>
-      </p:sp>
-      <p:sp>
-        <p:nvSpPr>
-          <p:cNvPr id="4" name="Espaço Reservado para Texto 3"/>
-          <p:cNvSpPr>
-            <a:spLocks noGrp="1"/>
-          </p:cNvSpPr>
-          <p:nvPr>
-            <p:ph type="body" sz="quarter" idx="12"/>
-          </p:nvPr>
-        </p:nvSpPr>
-        <p:spPr/>
-        <p:txBody>
-          <a:bodyPr/>
-          <a:lstStyle/>
-          <a:p>
-            <a:endParaRPr lang="pt-BR"/>
-          </a:p>
-        </p:txBody>
-      </p:sp>
-      <p:sp>
-        <p:nvSpPr>
           <p:cNvPr id="83970" name="Rectangle 2"/>
           <p:cNvSpPr>
             <a:spLocks noGrp="1" noChangeArrowheads="1"/>
@@ -6056,7 +5998,12 @@
             <p:ph sz="quarter" idx="13"/>
           </p:nvPr>
         </p:nvSpPr>
-        <p:spPr/>
+        <p:spPr>
+          <a:xfrm>
+            <a:off x="395536" y="1556891"/>
+            <a:ext cx="8281293" cy="5112469"/>
+          </a:xfrm>
+        </p:spPr>
         <p:txBody>
           <a:bodyPr/>
           <a:lstStyle/>
@@ -6066,7 +6013,7 @@
               <a:buChar char=""/>
             </a:pPr>
             <a:r>
-              <a:rPr lang="pt-BR" sz="2000" smtClean="0">
+              <a:rPr lang="pt-BR" sz="2000" dirty="0" smtClean="0">
                 <a:solidFill>
                   <a:schemeClr val="tx2"/>
                 </a:solidFill>
@@ -6081,14 +6028,83 @@
               <a:buChar char="◦"/>
             </a:pPr>
             <a:r>
-              <a:rPr lang="pt-BR" sz="1600" smtClean="0">
+              <a:rPr lang="pt-BR" sz="1600" dirty="0" smtClean="0">
                 <a:solidFill>
                   <a:schemeClr val="tx2"/>
                 </a:solidFill>
                 <a:latin typeface="Lucida Sans Unicode" pitchFamily="34" charset="0"/>
               </a:rPr>
-              <a:t>Cruise Control, Apache Continuum, LuntBuild, Hudson, Bamboo, Pulse, Gauntlet</a:t>
-            </a:r>
+              <a:t>Cruise </a:t>
+            </a:r>
+            <a:r>
+              <a:rPr lang="pt-BR" sz="1600" dirty="0" err="1" smtClean="0">
+                <a:solidFill>
+                  <a:schemeClr val="tx2"/>
+                </a:solidFill>
+                <a:latin typeface="Lucida Sans Unicode" pitchFamily="34" charset="0"/>
+              </a:rPr>
+              <a:t>Control</a:t>
+            </a:r>
+            <a:r>
+              <a:rPr lang="pt-BR" sz="1600" dirty="0" smtClean="0">
+                <a:solidFill>
+                  <a:schemeClr val="tx2"/>
+                </a:solidFill>
+                <a:latin typeface="Lucida Sans Unicode" pitchFamily="34" charset="0"/>
+              </a:rPr>
+              <a:t>, Apache </a:t>
+            </a:r>
+            <a:r>
+              <a:rPr lang="pt-BR" sz="1600" dirty="0" err="1" smtClean="0">
+                <a:solidFill>
+                  <a:schemeClr val="tx2"/>
+                </a:solidFill>
+                <a:latin typeface="Lucida Sans Unicode" pitchFamily="34" charset="0"/>
+              </a:rPr>
+              <a:t>Continuum</a:t>
+            </a:r>
+            <a:r>
+              <a:rPr lang="pt-BR" sz="1600" dirty="0" smtClean="0">
+                <a:solidFill>
+                  <a:schemeClr val="tx2"/>
+                </a:solidFill>
+                <a:latin typeface="Lucida Sans Unicode" pitchFamily="34" charset="0"/>
+              </a:rPr>
+              <a:t>, </a:t>
+            </a:r>
+            <a:r>
+              <a:rPr lang="pt-BR" sz="1600" dirty="0" err="1" smtClean="0">
+                <a:solidFill>
+                  <a:schemeClr val="tx2"/>
+                </a:solidFill>
+                <a:latin typeface="Lucida Sans Unicode" pitchFamily="34" charset="0"/>
+              </a:rPr>
+              <a:t>LuntBuild</a:t>
+            </a:r>
+            <a:r>
+              <a:rPr lang="pt-BR" sz="1600" dirty="0" smtClean="0">
+                <a:solidFill>
+                  <a:schemeClr val="tx2"/>
+                </a:solidFill>
+                <a:latin typeface="Lucida Sans Unicode" pitchFamily="34" charset="0"/>
+              </a:rPr>
+              <a:t>, Hudson, Bamboo, Pulse, </a:t>
+            </a:r>
+            <a:r>
+              <a:rPr lang="pt-BR" sz="1600" dirty="0" err="1" smtClean="0">
+                <a:solidFill>
+                  <a:schemeClr val="tx2"/>
+                </a:solidFill>
+                <a:latin typeface="Lucida Sans Unicode" pitchFamily="34" charset="0"/>
+              </a:rPr>
+              <a:t>Gauntlet</a:t>
+            </a:r>
+            <a:endParaRPr lang="pt-BR" sz="1600" dirty="0" smtClean="0">
+              <a:solidFill>
+                <a:schemeClr val="tx2"/>
+              </a:solidFill>
+              <a:latin typeface="Lucida Sans Unicode" pitchFamily="34" charset="0"/>
+            </a:endParaRPr>
           </a:p>
           <a:p>
             <a:pPr marL="365125" indent="-282575" algn="just">
@@ -6096,7 +6112,7 @@
               <a:buChar char=""/>
             </a:pPr>
             <a:r>
-              <a:rPr lang="pt-BR" sz="2000" smtClean="0">
+              <a:rPr lang="pt-BR" sz="2000" dirty="0" smtClean="0">
                 <a:solidFill>
                   <a:schemeClr val="tx2"/>
                 </a:solidFill>
@@ -6111,14 +6127,74 @@
               <a:buChar char="◦"/>
             </a:pPr>
             <a:r>
-              <a:rPr lang="pt-BR" sz="1600" smtClean="0">
+              <a:rPr lang="pt-BR" sz="1600" dirty="0" err="1" smtClean="0">
                 <a:solidFill>
                   <a:schemeClr val="tx2"/>
                 </a:solidFill>
                 <a:latin typeface="Lucida Sans Unicode" pitchFamily="34" charset="0"/>
               </a:rPr>
-              <a:t>Maven, Ant, NAnt, Rake</a:t>
-            </a:r>
+              <a:t>Maven</a:t>
+            </a:r>
+            <a:r>
+              <a:rPr lang="pt-BR" sz="1600" dirty="0" smtClean="0">
+                <a:solidFill>
+                  <a:schemeClr val="tx2"/>
+                </a:solidFill>
+                <a:latin typeface="Lucida Sans Unicode" pitchFamily="34" charset="0"/>
+              </a:rPr>
+              <a:t>, </a:t>
+            </a:r>
+            <a:r>
+              <a:rPr lang="pt-BR" sz="1600" dirty="0" err="1" smtClean="0">
+                <a:solidFill>
+                  <a:schemeClr val="tx2"/>
+                </a:solidFill>
+                <a:latin typeface="Lucida Sans Unicode" pitchFamily="34" charset="0"/>
+              </a:rPr>
+              <a:t>Ant</a:t>
+            </a:r>
+            <a:r>
+              <a:rPr lang="pt-BR" sz="1600" dirty="0" smtClean="0">
+                <a:solidFill>
+                  <a:schemeClr val="tx2"/>
+                </a:solidFill>
+                <a:latin typeface="Lucida Sans Unicode" pitchFamily="34" charset="0"/>
+              </a:rPr>
+              <a:t>, </a:t>
+            </a:r>
+            <a:r>
+              <a:rPr lang="pt-BR" sz="1600" dirty="0" err="1" smtClean="0">
+                <a:solidFill>
+                  <a:schemeClr val="tx2"/>
+                </a:solidFill>
+                <a:latin typeface="Lucida Sans Unicode" pitchFamily="34" charset="0"/>
+              </a:rPr>
+              <a:t>NAnt</a:t>
+            </a:r>
+            <a:r>
+              <a:rPr lang="pt-BR" sz="1600" dirty="0" smtClean="0">
+                <a:solidFill>
+                  <a:schemeClr val="tx2"/>
+                </a:solidFill>
+                <a:latin typeface="Lucida Sans Unicode" pitchFamily="34" charset="0"/>
+              </a:rPr>
+              <a:t>, </a:t>
+            </a:r>
+            <a:r>
+              <a:rPr lang="pt-BR" sz="1600" dirty="0" err="1" smtClean="0">
+                <a:solidFill>
+                  <a:schemeClr val="tx2"/>
+                </a:solidFill>
+                <a:latin typeface="Lucida Sans Unicode" pitchFamily="34" charset="0"/>
+              </a:rPr>
+              <a:t>Rake</a:t>
+            </a:r>
+            <a:endParaRPr lang="pt-BR" sz="1600" dirty="0" smtClean="0">
+              <a:solidFill>
+                <a:schemeClr val="tx2"/>
+              </a:solidFill>
+              <a:latin typeface="Lucida Sans Unicode" pitchFamily="34" charset="0"/>
+            </a:endParaRPr>
           </a:p>
           <a:p>
             <a:pPr marL="365125" indent="-282575" algn="just">
@@ -6126,7 +6202,7 @@
               <a:buChar char=""/>
             </a:pPr>
             <a:r>
-              <a:rPr lang="pt-BR" sz="2000" smtClean="0">
+              <a:rPr lang="pt-BR" sz="2000" dirty="0" smtClean="0">
                 <a:solidFill>
                   <a:schemeClr val="tx2"/>
                 </a:solidFill>
@@ -6141,14 +6217,56 @@
               <a:buChar char="◦"/>
             </a:pPr>
             <a:r>
-              <a:rPr lang="pt-BR" sz="1600" smtClean="0">
+              <a:rPr lang="pt-BR" sz="1600" dirty="0" err="1" smtClean="0">
                 <a:solidFill>
                   <a:schemeClr val="tx2"/>
                 </a:solidFill>
                 <a:latin typeface="Lucida Sans Unicode" pitchFamily="34" charset="0"/>
               </a:rPr>
-              <a:t>Subversion, CVS, ClearCase, VSS, StarTeam</a:t>
-            </a:r>
+              <a:t>Subversion</a:t>
+            </a:r>
+            <a:r>
+              <a:rPr lang="pt-BR" sz="1600" dirty="0" smtClean="0">
+                <a:solidFill>
+                  <a:schemeClr val="tx2"/>
+                </a:solidFill>
+                <a:latin typeface="Lucida Sans Unicode" pitchFamily="34" charset="0"/>
+              </a:rPr>
+              <a:t>, CVS, </a:t>
+            </a:r>
+            <a:r>
+              <a:rPr lang="pt-BR" sz="1600" dirty="0" err="1" smtClean="0">
+                <a:solidFill>
+                  <a:schemeClr val="tx2"/>
+                </a:solidFill>
+                <a:latin typeface="Lucida Sans Unicode" pitchFamily="34" charset="0"/>
+              </a:rPr>
+              <a:t>ClearCase</a:t>
+            </a:r>
+            <a:r>
+              <a:rPr lang="pt-BR" sz="1600" dirty="0" smtClean="0">
+                <a:solidFill>
+                  <a:schemeClr val="tx2"/>
+                </a:solidFill>
+                <a:latin typeface="Lucida Sans Unicode" pitchFamily="34" charset="0"/>
+              </a:rPr>
+              <a:t>, VSS, </a:t>
+            </a:r>
+            <a:r>
+              <a:rPr lang="pt-BR" sz="1600" dirty="0" err="1" smtClean="0">
+                <a:solidFill>
+                  <a:schemeClr val="tx2"/>
+                </a:solidFill>
+                <a:latin typeface="Lucida Sans Unicode" pitchFamily="34" charset="0"/>
+              </a:rPr>
+              <a:t>StarTeam</a:t>
+            </a:r>
+            <a:endParaRPr lang="pt-BR" sz="1600" dirty="0" smtClean="0">
+              <a:solidFill>
+                <a:schemeClr val="tx2"/>
+              </a:solidFill>
+              <a:latin typeface="Lucida Sans Unicode" pitchFamily="34" charset="0"/>
+            </a:endParaRPr>
           </a:p>
           <a:p>
             <a:pPr marL="365125" indent="-282575" algn="just">
@@ -6156,7 +6274,7 @@
               <a:buChar char=""/>
             </a:pPr>
             <a:r>
-              <a:rPr lang="pt-BR" sz="2000" smtClean="0">
+              <a:rPr lang="pt-BR" sz="2000" dirty="0" smtClean="0">
                 <a:solidFill>
                   <a:schemeClr val="tx2"/>
                 </a:solidFill>
@@ -6171,13 +6289,31 @@
               <a:buChar char="◦"/>
             </a:pPr>
             <a:r>
-              <a:rPr lang="pt-BR" sz="1600" smtClean="0">
+              <a:rPr lang="pt-BR" sz="1600" dirty="0" smtClean="0">
                 <a:solidFill>
                   <a:schemeClr val="tx2"/>
                 </a:solidFill>
                 <a:latin typeface="Lucida Sans Unicode" pitchFamily="34" charset="0"/>
               </a:rPr>
-              <a:t>Oracle, SQL Server, PostgreSQL, MySQL, HSQLDB</a:t>
+              <a:t>Oracle, SQL Server, </a:t>
+            </a:r>
+            <a:r>
+              <a:rPr lang="pt-BR" sz="1600" dirty="0" err="1" smtClean="0">
+                <a:solidFill>
+                  <a:schemeClr val="tx2"/>
+                </a:solidFill>
+                <a:latin typeface="Lucida Sans Unicode" pitchFamily="34" charset="0"/>
+              </a:rPr>
+              <a:t>PostgreSQL</a:t>
+            </a:r>
+            <a:r>
+              <a:rPr lang="pt-BR" sz="1600" dirty="0" smtClean="0">
+                <a:solidFill>
+                  <a:schemeClr val="tx2"/>
+                </a:solidFill>
+                <a:latin typeface="Lucida Sans Unicode" pitchFamily="34" charset="0"/>
+              </a:rPr>
+              <a:t>, MySQL, HSQLDB</a:t>
             </a:r>
           </a:p>
           <a:p>
@@ -6186,7 +6322,7 @@
               <a:buChar char=""/>
             </a:pPr>
             <a:r>
-              <a:rPr lang="pt-BR" sz="2000" smtClean="0">
+              <a:rPr lang="pt-BR" sz="2000" dirty="0" smtClean="0">
                 <a:solidFill>
                   <a:schemeClr val="tx2"/>
                 </a:solidFill>
@@ -6201,14 +6337,110 @@
               <a:buChar char="◦"/>
             </a:pPr>
             <a:r>
-              <a:rPr lang="pt-BR" sz="1600" smtClean="0">
+              <a:rPr lang="pt-BR" sz="1600" dirty="0" err="1" smtClean="0">
                 <a:solidFill>
                   <a:schemeClr val="tx2"/>
                 </a:solidFill>
                 <a:latin typeface="Lucida Sans Unicode" pitchFamily="34" charset="0"/>
               </a:rPr>
-              <a:t>JUnit, NUnit, DbUnit, HtmlUnit, Selenium, TestNG</a:t>
-            </a:r>
+              <a:t>JUnit</a:t>
+            </a:r>
+            <a:r>
+              <a:rPr lang="pt-BR" sz="1600" dirty="0" smtClean="0">
+                <a:solidFill>
+                  <a:schemeClr val="tx2"/>
+                </a:solidFill>
+                <a:latin typeface="Lucida Sans Unicode" pitchFamily="34" charset="0"/>
+              </a:rPr>
+              <a:t>, </a:t>
+            </a:r>
+            <a:r>
+              <a:rPr lang="pt-BR" sz="1600" dirty="0" err="1" smtClean="0">
+                <a:solidFill>
+                  <a:schemeClr val="tx2"/>
+                </a:solidFill>
+                <a:latin typeface="Lucida Sans Unicode" pitchFamily="34" charset="0"/>
+              </a:rPr>
+              <a:t>NUnit</a:t>
+            </a:r>
+            <a:r>
+              <a:rPr lang="pt-BR" sz="1600" dirty="0" smtClean="0">
+                <a:solidFill>
+                  <a:schemeClr val="tx2"/>
+                </a:solidFill>
+                <a:latin typeface="Lucida Sans Unicode" pitchFamily="34" charset="0"/>
+              </a:rPr>
+              <a:t>, </a:t>
+            </a:r>
+            <a:r>
+              <a:rPr lang="pt-BR" sz="1600" dirty="0" err="1" smtClean="0">
+                <a:solidFill>
+                  <a:schemeClr val="tx2"/>
+                </a:solidFill>
+                <a:latin typeface="Lucida Sans Unicode" pitchFamily="34" charset="0"/>
+              </a:rPr>
+              <a:t>DbUnit</a:t>
+            </a:r>
+            <a:r>
+              <a:rPr lang="pt-BR" sz="1600" dirty="0" smtClean="0">
+                <a:solidFill>
+                  <a:schemeClr val="tx2"/>
+                </a:solidFill>
+                <a:latin typeface="Lucida Sans Unicode" pitchFamily="34" charset="0"/>
+              </a:rPr>
+              <a:t>, </a:t>
+            </a:r>
+            <a:r>
+              <a:rPr lang="pt-BR" sz="1600" dirty="0" err="1" smtClean="0">
+                <a:solidFill>
+                  <a:schemeClr val="tx2"/>
+                </a:solidFill>
+                <a:latin typeface="Lucida Sans Unicode" pitchFamily="34" charset="0"/>
+              </a:rPr>
+              <a:t>HtmlUnit</a:t>
+            </a:r>
+            <a:r>
+              <a:rPr lang="pt-BR" sz="1600" dirty="0" smtClean="0">
+                <a:solidFill>
+                  <a:schemeClr val="tx2"/>
+                </a:solidFill>
+                <a:latin typeface="Lucida Sans Unicode" pitchFamily="34" charset="0"/>
+              </a:rPr>
+              <a:t>, </a:t>
+            </a:r>
+            <a:r>
+              <a:rPr lang="pt-BR" sz="1600" dirty="0" err="1" smtClean="0">
+                <a:solidFill>
+                  <a:schemeClr val="tx2"/>
+                </a:solidFill>
+                <a:latin typeface="Lucida Sans Unicode" pitchFamily="34" charset="0"/>
+              </a:rPr>
+              <a:t>Selenium</a:t>
+            </a:r>
+            <a:r>
+              <a:rPr lang="pt-BR" sz="1600" dirty="0" smtClean="0">
+                <a:solidFill>
+                  <a:schemeClr val="tx2"/>
+                </a:solidFill>
+                <a:latin typeface="Lucida Sans Unicode" pitchFamily="34" charset="0"/>
+              </a:rPr>
+              <a:t>, </a:t>
+            </a:r>
+            <a:r>
+              <a:rPr lang="pt-BR" sz="1600" dirty="0" err="1" smtClean="0">
+                <a:solidFill>
+                  <a:schemeClr val="tx2"/>
+                </a:solidFill>
+                <a:latin typeface="Lucida Sans Unicode" pitchFamily="34" charset="0"/>
+              </a:rPr>
+              <a:t>TestNG</a:t>
+            </a:r>
+            <a:endParaRPr lang="pt-BR" sz="1600" dirty="0" smtClean="0">
+              <a:solidFill>
+                <a:schemeClr val="tx2"/>
+              </a:solidFill>
+              <a:latin typeface="Lucida Sans Unicode" pitchFamily="34" charset="0"/>
+            </a:endParaRPr>
           </a:p>
           <a:p>
             <a:pPr marL="365125" indent="-282575" algn="just">
@@ -6216,7 +6448,7 @@
               <a:buChar char=""/>
             </a:pPr>
             <a:r>
-              <a:rPr lang="pt-BR" sz="2000" smtClean="0">
+              <a:rPr lang="pt-BR" sz="2000" dirty="0" smtClean="0">
                 <a:solidFill>
                   <a:schemeClr val="tx2"/>
                 </a:solidFill>
@@ -6231,29 +6463,68 @@
               <a:buChar char="◦"/>
             </a:pPr>
             <a:r>
-              <a:rPr lang="pt-BR" sz="1600" smtClean="0">
+              <a:rPr lang="pt-BR" sz="1600" dirty="0" err="1" smtClean="0">
                 <a:solidFill>
                   <a:schemeClr val="tx2"/>
                 </a:solidFill>
                 <a:latin typeface="Lucida Sans Unicode" pitchFamily="34" charset="0"/>
               </a:rPr>
-              <a:t>Checkstyle, FindBugs, Cobertura, EMMA, FxCop</a:t>
-            </a:r>
+              <a:t>Checkstyle</a:t>
+            </a:r>
+            <a:r>
+              <a:rPr lang="pt-BR" sz="1600" dirty="0" smtClean="0">
+                <a:solidFill>
+                  <a:schemeClr val="tx2"/>
+                </a:solidFill>
+                <a:latin typeface="Lucida Sans Unicode" pitchFamily="34" charset="0"/>
+              </a:rPr>
+              <a:t>, </a:t>
+            </a:r>
+            <a:r>
+              <a:rPr lang="pt-BR" sz="1600" dirty="0" err="1" smtClean="0">
+                <a:solidFill>
+                  <a:schemeClr val="tx2"/>
+                </a:solidFill>
+                <a:latin typeface="Lucida Sans Unicode" pitchFamily="34" charset="0"/>
+              </a:rPr>
+              <a:t>FindBugs</a:t>
+            </a:r>
+            <a:r>
+              <a:rPr lang="pt-BR" sz="1600" dirty="0" smtClean="0">
+                <a:solidFill>
+                  <a:schemeClr val="tx2"/>
+                </a:solidFill>
+                <a:latin typeface="Lucida Sans Unicode" pitchFamily="34" charset="0"/>
+              </a:rPr>
+              <a:t>, Cobertura, EMMA, </a:t>
+            </a:r>
+            <a:r>
+              <a:rPr lang="pt-BR" sz="1600" dirty="0" err="1" smtClean="0">
+                <a:solidFill>
+                  <a:schemeClr val="tx2"/>
+                </a:solidFill>
+                <a:latin typeface="Lucida Sans Unicode" pitchFamily="34" charset="0"/>
+              </a:rPr>
+              <a:t>FxCop</a:t>
+            </a:r>
+            <a:endParaRPr lang="pt-BR" sz="1600" dirty="0" smtClean="0">
+              <a:solidFill>
+                <a:schemeClr val="tx2"/>
+              </a:solidFill>
+              <a:latin typeface="Lucida Sans Unicode" pitchFamily="34" charset="0"/>
+            </a:endParaRPr>
           </a:p>
           <a:p>
             <a:pPr marL="365125" indent="-282575" algn="just">
               <a:buFont typeface="Wingdings 2" pitchFamily="18" charset="2"/>
               <a:buChar char=""/>
             </a:pPr>
-            <a:r>
-              <a:rPr lang="pt-BR" sz="2000" smtClean="0">
-                <a:solidFill>
-                  <a:schemeClr val="tx2"/>
-                </a:solidFill>
-                <a:latin typeface="Lucida Sans Unicode" pitchFamily="34" charset="0"/>
-              </a:rPr>
-              <a:t>Feedback</a:t>
-            </a:r>
+            <a:endParaRPr lang="pt-BR" sz="2000" dirty="0" smtClean="0">
+              <a:solidFill>
+                <a:schemeClr val="tx2"/>
+              </a:solidFill>
+              <a:latin typeface="Lucida Sans Unicode" pitchFamily="34" charset="0"/>
+            </a:endParaRPr>
           </a:p>
           <a:p>
             <a:pPr marL="639763" lvl="1" indent="-236538" algn="just">
@@ -6261,14 +6532,74 @@
               <a:buChar char="◦"/>
             </a:pPr>
             <a:r>
-              <a:rPr lang="pt-BR" sz="1600" smtClean="0">
+              <a:rPr lang="pt-BR" sz="1600" dirty="0" err="1" smtClean="0">
                 <a:solidFill>
                   <a:schemeClr val="tx2"/>
                 </a:solidFill>
                 <a:latin typeface="Lucida Sans Unicode" pitchFamily="34" charset="0"/>
               </a:rPr>
-              <a:t>Ambient Device, Jabber, Gtalk</a:t>
-            </a:r>
+              <a:t>Ambient</a:t>
+            </a:r>
+            <a:r>
+              <a:rPr lang="pt-BR" sz="1600" dirty="0" smtClean="0">
+                <a:solidFill>
+                  <a:schemeClr val="tx2"/>
+                </a:solidFill>
+                <a:latin typeface="Lucida Sans Unicode" pitchFamily="34" charset="0"/>
+              </a:rPr>
+              <a:t> </a:t>
+            </a:r>
+            <a:r>
+              <a:rPr lang="pt-BR" sz="1600" dirty="0" err="1" smtClean="0">
+                <a:solidFill>
+                  <a:schemeClr val="tx2"/>
+                </a:solidFill>
+                <a:latin typeface="Lucida Sans Unicode" pitchFamily="34" charset="0"/>
+              </a:rPr>
+              <a:t>Device</a:t>
+            </a:r>
+            <a:r>
+              <a:rPr lang="pt-BR" sz="1600" dirty="0" smtClean="0">
+                <a:solidFill>
+                  <a:schemeClr val="tx2"/>
+                </a:solidFill>
+                <a:latin typeface="Lucida Sans Unicode" pitchFamily="34" charset="0"/>
+              </a:rPr>
+              <a:t>, </a:t>
+            </a:r>
+            <a:r>
+              <a:rPr lang="pt-BR" sz="1600" dirty="0" err="1" smtClean="0">
+                <a:solidFill>
+                  <a:schemeClr val="tx2"/>
+                </a:solidFill>
+                <a:latin typeface="Lucida Sans Unicode" pitchFamily="34" charset="0"/>
+              </a:rPr>
+              <a:t>Jabber</a:t>
+            </a:r>
+            <a:r>
+              <a:rPr lang="pt-BR" sz="1600" dirty="0" smtClean="0">
+                <a:solidFill>
+                  <a:schemeClr val="tx2"/>
+                </a:solidFill>
+                <a:latin typeface="Lucida Sans Unicode" pitchFamily="34" charset="0"/>
+              </a:rPr>
+              <a:t>, </a:t>
+            </a:r>
+            <a:r>
+              <a:rPr lang="pt-BR" sz="1600" dirty="0" err="1" smtClean="0">
+                <a:solidFill>
+                  <a:schemeClr val="tx2"/>
+                </a:solidFill>
+                <a:latin typeface="Lucida Sans Unicode" pitchFamily="34" charset="0"/>
+              </a:rPr>
+              <a:t>Gtalk</a:t>
+            </a:r>
+            <a:endParaRPr lang="pt-BR" sz="1600" dirty="0" smtClean="0">
+              <a:solidFill>
+                <a:schemeClr val="tx2"/>
+              </a:solidFill>
+              <a:latin typeface="Lucida Sans Unicode" pitchFamily="34" charset="0"/>
+            </a:endParaRPr>
           </a:p>
         </p:txBody>
       </p:sp>
